--- a/Cyclistic_Project_Presentation.pptx
+++ b/Cyclistic_Project_Presentation.pptx
@@ -124,7 +124,7 @@
 <file path=ppt/revisionInfo.xml><?xml version="1.0" encoding="utf-8"?>
 <p1510:revInfo xmlns:a="http://schemas.openxmlformats.org/drawingml/2006/main" xmlns:r="http://schemas.openxmlformats.org/officeDocument/2006/relationships" xmlns:p1510="http://schemas.microsoft.com/office/powerpoint/2015/10/main">
   <p1510:revLst>
-    <p1510:client id="{57AC7585-1642-42F6-9258-D1088ACD66E7}" v="97" dt="2024-11-28T13:31:15.255"/>
+    <p1510:client id="{5CC0441D-F635-41B0-9065-5F30B4FFDDCE}" v="42" dt="2025-03-30T17:04:04.493"/>
   </p1510:revLst>
 </p1510:revInfo>
 </file>
@@ -144,14 +144,6 @@
           <pc:docMk/>
           <pc:sldMk cId="825476225" sldId="256"/>
         </pc:sldMkLst>
-        <pc:picChg chg="mod">
-          <ac:chgData name="Maarja Külm" userId="5f05ba4969298fc5" providerId="LiveId" clId="{57AC7585-1642-42F6-9258-D1088ACD66E7}" dt="2024-11-28T13:09:03.460" v="3246" actId="1076"/>
-          <ac:picMkLst>
-            <pc:docMk/>
-            <pc:sldMk cId="825476225" sldId="256"/>
-            <ac:picMk id="5" creationId="{97630F9B-7FDC-006A-1729-5798634E8725}"/>
-          </ac:picMkLst>
-        </pc:picChg>
       </pc:sldChg>
       <pc:sldChg chg="addSp delSp modSp mod">
         <pc:chgData name="Maarja Külm" userId="5f05ba4969298fc5" providerId="LiveId" clId="{57AC7585-1642-42F6-9258-D1088ACD66E7}" dt="2024-11-28T13:18:31.664" v="3284" actId="20577"/>
@@ -159,38 +151,6 @@
           <pc:docMk/>
           <pc:sldMk cId="3284785402" sldId="257"/>
         </pc:sldMkLst>
-        <pc:spChg chg="mod">
-          <ac:chgData name="Maarja Külm" userId="5f05ba4969298fc5" providerId="LiveId" clId="{57AC7585-1642-42F6-9258-D1088ACD66E7}" dt="2024-11-28T09:41:15.808" v="17" actId="255"/>
-          <ac:spMkLst>
-            <pc:docMk/>
-            <pc:sldMk cId="3284785402" sldId="257"/>
-            <ac:spMk id="2" creationId="{7A3949AE-BCA9-55D8-54B2-FF5C31EF6EDD}"/>
-          </ac:spMkLst>
-        </pc:spChg>
-        <pc:spChg chg="add del mod">
-          <ac:chgData name="Maarja Külm" userId="5f05ba4969298fc5" providerId="LiveId" clId="{57AC7585-1642-42F6-9258-D1088ACD66E7}" dt="2024-11-28T13:18:31.664" v="3284" actId="20577"/>
-          <ac:spMkLst>
-            <pc:docMk/>
-            <pc:sldMk cId="3284785402" sldId="257"/>
-            <ac:spMk id="3" creationId="{A5118EBC-F03B-6067-2DE8-5738C7B17099}"/>
-          </ac:spMkLst>
-        </pc:spChg>
-        <pc:spChg chg="add del mod ord">
-          <ac:chgData name="Maarja Külm" userId="5f05ba4969298fc5" providerId="LiveId" clId="{57AC7585-1642-42F6-9258-D1088ACD66E7}" dt="2024-11-28T13:15:52.595" v="3264" actId="478"/>
-          <ac:spMkLst>
-            <pc:docMk/>
-            <pc:sldMk cId="3284785402" sldId="257"/>
-            <ac:spMk id="4" creationId="{1C83F6BF-2CDA-AA88-8DC8-F9603AF47F22}"/>
-          </ac:spMkLst>
-        </pc:spChg>
-        <pc:picChg chg="add mod">
-          <ac:chgData name="Maarja Külm" userId="5f05ba4969298fc5" providerId="LiveId" clId="{57AC7585-1642-42F6-9258-D1088ACD66E7}" dt="2024-11-28T09:44:15.815" v="21" actId="931"/>
-          <ac:picMkLst>
-            <pc:docMk/>
-            <pc:sldMk cId="3284785402" sldId="257"/>
-            <ac:picMk id="5" creationId="{8F211041-592F-0EB1-C542-42A4232A91B5}"/>
-          </ac:picMkLst>
-        </pc:picChg>
       </pc:sldChg>
       <pc:sldChg chg="addSp modSp add mod">
         <pc:chgData name="Maarja Külm" userId="5f05ba4969298fc5" providerId="LiveId" clId="{57AC7585-1642-42F6-9258-D1088ACD66E7}" dt="2024-11-28T11:10:08.980" v="2239" actId="20577"/>
@@ -198,30 +158,6 @@
           <pc:docMk/>
           <pc:sldMk cId="931239919" sldId="258"/>
         </pc:sldMkLst>
-        <pc:spChg chg="mod">
-          <ac:chgData name="Maarja Külm" userId="5f05ba4969298fc5" providerId="LiveId" clId="{57AC7585-1642-42F6-9258-D1088ACD66E7}" dt="2024-11-28T09:56:26.504" v="717" actId="20577"/>
-          <ac:spMkLst>
-            <pc:docMk/>
-            <pc:sldMk cId="931239919" sldId="258"/>
-            <ac:spMk id="2" creationId="{FCE8F860-6A4E-B809-C2C7-4BC3B1A9AE94}"/>
-          </ac:spMkLst>
-        </pc:spChg>
-        <pc:spChg chg="mod">
-          <ac:chgData name="Maarja Külm" userId="5f05ba4969298fc5" providerId="LiveId" clId="{57AC7585-1642-42F6-9258-D1088ACD66E7}" dt="2024-11-28T11:10:08.980" v="2239" actId="20577"/>
-          <ac:spMkLst>
-            <pc:docMk/>
-            <pc:sldMk cId="931239919" sldId="258"/>
-            <ac:spMk id="3" creationId="{5D4A5F4F-D825-66B6-3DB1-4B1F4183122C}"/>
-          </ac:spMkLst>
-        </pc:spChg>
-        <pc:picChg chg="add mod">
-          <ac:chgData name="Maarja Külm" userId="5f05ba4969298fc5" providerId="LiveId" clId="{57AC7585-1642-42F6-9258-D1088ACD66E7}" dt="2024-11-28T09:57:39.855" v="821" actId="1076"/>
-          <ac:picMkLst>
-            <pc:docMk/>
-            <pc:sldMk cId="931239919" sldId="258"/>
-            <ac:picMk id="5" creationId="{11CFB170-3B7C-A3F6-2C7D-29CA109055D9}"/>
-          </ac:picMkLst>
-        </pc:picChg>
       </pc:sldChg>
       <pc:sldChg chg="addSp delSp modSp new mod modClrScheme chgLayout">
         <pc:chgData name="Maarja Külm" userId="5f05ba4969298fc5" providerId="LiveId" clId="{57AC7585-1642-42F6-9258-D1088ACD66E7}" dt="2024-11-28T13:31:36.593" v="3321" actId="1076"/>
@@ -229,78 +165,6 @@
           <pc:docMk/>
           <pc:sldMk cId="2432253539" sldId="259"/>
         </pc:sldMkLst>
-        <pc:spChg chg="del mod ord">
-          <ac:chgData name="Maarja Külm" userId="5f05ba4969298fc5" providerId="LiveId" clId="{57AC7585-1642-42F6-9258-D1088ACD66E7}" dt="2024-11-28T10:10:57.515" v="826" actId="700"/>
-          <ac:spMkLst>
-            <pc:docMk/>
-            <pc:sldMk cId="2432253539" sldId="259"/>
-            <ac:spMk id="2" creationId="{B47AAF00-C50A-0688-FEB9-3DFCAEF8CBA6}"/>
-          </ac:spMkLst>
-        </pc:spChg>
-        <pc:spChg chg="del mod ord">
-          <ac:chgData name="Maarja Külm" userId="5f05ba4969298fc5" providerId="LiveId" clId="{57AC7585-1642-42F6-9258-D1088ACD66E7}" dt="2024-11-28T10:10:57.515" v="826" actId="700"/>
-          <ac:spMkLst>
-            <pc:docMk/>
-            <pc:sldMk cId="2432253539" sldId="259"/>
-            <ac:spMk id="3" creationId="{E045FD4C-9BB3-9942-4B1F-6859D4301E78}"/>
-          </ac:spMkLst>
-        </pc:spChg>
-        <pc:spChg chg="add mod ord">
-          <ac:chgData name="Maarja Külm" userId="5f05ba4969298fc5" providerId="LiveId" clId="{57AC7585-1642-42F6-9258-D1088ACD66E7}" dt="2024-11-28T13:31:36.593" v="3321" actId="1076"/>
-          <ac:spMkLst>
-            <pc:docMk/>
-            <pc:sldMk cId="2432253539" sldId="259"/>
-            <ac:spMk id="6" creationId="{0C841E2C-2E19-E447-B919-91017F9BF2DC}"/>
-          </ac:spMkLst>
-        </pc:spChg>
-        <pc:spChg chg="add del mod ord">
-          <ac:chgData name="Maarja Külm" userId="5f05ba4969298fc5" providerId="LiveId" clId="{57AC7585-1642-42F6-9258-D1088ACD66E7}" dt="2024-11-28T10:14:05.199" v="840"/>
-          <ac:spMkLst>
-            <pc:docMk/>
-            <pc:sldMk cId="2432253539" sldId="259"/>
-            <ac:spMk id="7" creationId="{8B853BBE-4BEC-FBE7-10A1-8B4ADA24B67B}"/>
-          </ac:spMkLst>
-        </pc:spChg>
-        <pc:spChg chg="add del mod ord">
-          <ac:chgData name="Maarja Külm" userId="5f05ba4969298fc5" providerId="LiveId" clId="{57AC7585-1642-42F6-9258-D1088ACD66E7}" dt="2024-11-28T10:56:49.521" v="1739" actId="478"/>
-          <ac:spMkLst>
-            <pc:docMk/>
-            <pc:sldMk cId="2432253539" sldId="259"/>
-            <ac:spMk id="8" creationId="{B39C4E57-7A6A-042F-1612-93C15C65BB07}"/>
-          </ac:spMkLst>
-        </pc:spChg>
-        <pc:graphicFrameChg chg="add mod">
-          <ac:chgData name="Maarja Külm" userId="5f05ba4969298fc5" providerId="LiveId" clId="{57AC7585-1642-42F6-9258-D1088ACD66E7}" dt="2024-11-28T10:13:14.387" v="829"/>
-          <ac:graphicFrameMkLst>
-            <pc:docMk/>
-            <pc:sldMk cId="2432253539" sldId="259"/>
-            <ac:graphicFrameMk id="9" creationId="{1DBDF4F4-1B50-4A48-8493-C291873E2CA2}"/>
-          </ac:graphicFrameMkLst>
-        </pc:graphicFrameChg>
-        <pc:graphicFrameChg chg="add mod">
-          <ac:chgData name="Maarja Külm" userId="5f05ba4969298fc5" providerId="LiveId" clId="{57AC7585-1642-42F6-9258-D1088ACD66E7}" dt="2024-11-28T10:14:05.090" v="838"/>
-          <ac:graphicFrameMkLst>
-            <pc:docMk/>
-            <pc:sldMk cId="2432253539" sldId="259"/>
-            <ac:graphicFrameMk id="10" creationId="{1DBDF4F4-1B50-4A48-8493-C291873E2CA2}"/>
-          </ac:graphicFrameMkLst>
-        </pc:graphicFrameChg>
-        <pc:graphicFrameChg chg="add mod">
-          <ac:chgData name="Maarja Külm" userId="5f05ba4969298fc5" providerId="LiveId" clId="{57AC7585-1642-42F6-9258-D1088ACD66E7}" dt="2024-11-28T13:30:20.489" v="3311" actId="2711"/>
-          <ac:graphicFrameMkLst>
-            <pc:docMk/>
-            <pc:sldMk cId="2432253539" sldId="259"/>
-            <ac:graphicFrameMk id="11" creationId="{1DBDF4F4-1B50-4A48-8493-C291873E2CA2}"/>
-          </ac:graphicFrameMkLst>
-        </pc:graphicFrameChg>
-        <pc:picChg chg="add mod">
-          <ac:chgData name="Maarja Külm" userId="5f05ba4969298fc5" providerId="LiveId" clId="{57AC7585-1642-42F6-9258-D1088ACD66E7}" dt="2024-11-28T10:57:11.618" v="1741" actId="1076"/>
-          <ac:picMkLst>
-            <pc:docMk/>
-            <pc:sldMk cId="2432253539" sldId="259"/>
-            <ac:picMk id="13" creationId="{83ADC58A-F1B3-ED8B-A3F9-ECB3877EF253}"/>
-          </ac:picMkLst>
-        </pc:picChg>
       </pc:sldChg>
       <pc:sldChg chg="addSp delSp modSp add mod">
         <pc:chgData name="Maarja Külm" userId="5f05ba4969298fc5" providerId="LiveId" clId="{57AC7585-1642-42F6-9258-D1088ACD66E7}" dt="2024-11-28T13:31:04.756" v="3318" actId="2711"/>
@@ -308,54 +172,6 @@
           <pc:docMk/>
           <pc:sldMk cId="170615927" sldId="260"/>
         </pc:sldMkLst>
-        <pc:spChg chg="add del mod">
-          <ac:chgData name="Maarja Külm" userId="5f05ba4969298fc5" providerId="LiveId" clId="{57AC7585-1642-42F6-9258-D1088ACD66E7}" dt="2024-11-28T10:19:23.344" v="1142"/>
-          <ac:spMkLst>
-            <pc:docMk/>
-            <pc:sldMk cId="170615927" sldId="260"/>
-            <ac:spMk id="3" creationId="{A66100C7-5EAC-5220-561F-7567D9C47D6B}"/>
-          </ac:spMkLst>
-        </pc:spChg>
-        <pc:spChg chg="mod">
-          <ac:chgData name="Maarja Külm" userId="5f05ba4969298fc5" providerId="LiveId" clId="{57AC7585-1642-42F6-9258-D1088ACD66E7}" dt="2024-11-28T13:30:56.866" v="3317" actId="2711"/>
-          <ac:spMkLst>
-            <pc:docMk/>
-            <pc:sldMk cId="170615927" sldId="260"/>
-            <ac:spMk id="6" creationId="{5F76C2C2-4740-8366-1144-B455218A643D}"/>
-          </ac:spMkLst>
-        </pc:spChg>
-        <pc:spChg chg="del mod">
-          <ac:chgData name="Maarja Külm" userId="5f05ba4969298fc5" providerId="LiveId" clId="{57AC7585-1642-42F6-9258-D1088ACD66E7}" dt="2024-11-28T10:57:34.943" v="1743" actId="478"/>
-          <ac:spMkLst>
-            <pc:docMk/>
-            <pc:sldMk cId="170615927" sldId="260"/>
-            <ac:spMk id="8" creationId="{68EA0018-49CA-B824-B958-7A6E4CEFCE75}"/>
-          </ac:spMkLst>
-        </pc:spChg>
-        <pc:graphicFrameChg chg="add mod">
-          <ac:chgData name="Maarja Külm" userId="5f05ba4969298fc5" providerId="LiveId" clId="{57AC7585-1642-42F6-9258-D1088ACD66E7}" dt="2024-11-28T13:31:04.756" v="3318" actId="2711"/>
-          <ac:graphicFrameMkLst>
-            <pc:docMk/>
-            <pc:sldMk cId="170615927" sldId="260"/>
-            <ac:graphicFrameMk id="4" creationId="{ED155C8E-E144-458A-80DC-0B02E50E4FC5}"/>
-          </ac:graphicFrameMkLst>
-        </pc:graphicFrameChg>
-        <pc:graphicFrameChg chg="del">
-          <ac:chgData name="Maarja Külm" userId="5f05ba4969298fc5" providerId="LiveId" clId="{57AC7585-1642-42F6-9258-D1088ACD66E7}" dt="2024-11-28T10:19:09.813" v="1140" actId="478"/>
-          <ac:graphicFrameMkLst>
-            <pc:docMk/>
-            <pc:sldMk cId="170615927" sldId="260"/>
-            <ac:graphicFrameMk id="11" creationId="{DF8D2857-D019-C494-B4F0-1D72FE55920F}"/>
-          </ac:graphicFrameMkLst>
-        </pc:graphicFrameChg>
-        <pc:picChg chg="add mod">
-          <ac:chgData name="Maarja Külm" userId="5f05ba4969298fc5" providerId="LiveId" clId="{57AC7585-1642-42F6-9258-D1088ACD66E7}" dt="2024-11-28T10:57:36.380" v="1744"/>
-          <ac:picMkLst>
-            <pc:docMk/>
-            <pc:sldMk cId="170615927" sldId="260"/>
-            <ac:picMk id="5" creationId="{9D9338DE-50F9-FC2A-AD13-6E1C82558DB5}"/>
-          </ac:picMkLst>
-        </pc:picChg>
       </pc:sldChg>
       <pc:sldChg chg="addSp delSp modSp add mod">
         <pc:chgData name="Maarja Külm" userId="5f05ba4969298fc5" providerId="LiveId" clId="{57AC7585-1642-42F6-9258-D1088ACD66E7}" dt="2024-11-28T13:31:19.150" v="3320" actId="2711"/>
@@ -363,54 +179,6 @@
           <pc:docMk/>
           <pc:sldMk cId="3388878916" sldId="261"/>
         </pc:sldMkLst>
-        <pc:spChg chg="add del mod">
-          <ac:chgData name="Maarja Külm" userId="5f05ba4969298fc5" providerId="LiveId" clId="{57AC7585-1642-42F6-9258-D1088ACD66E7}" dt="2024-11-28T10:31:14.765" v="1452"/>
-          <ac:spMkLst>
-            <pc:docMk/>
-            <pc:sldMk cId="3388878916" sldId="261"/>
-            <ac:spMk id="3" creationId="{6D1898E3-6A8D-809A-57FF-3A37E26ADA87}"/>
-          </ac:spMkLst>
-        </pc:spChg>
-        <pc:spChg chg="mod">
-          <ac:chgData name="Maarja Külm" userId="5f05ba4969298fc5" providerId="LiveId" clId="{57AC7585-1642-42F6-9258-D1088ACD66E7}" dt="2024-11-28T13:31:19.150" v="3320" actId="2711"/>
-          <ac:spMkLst>
-            <pc:docMk/>
-            <pc:sldMk cId="3388878916" sldId="261"/>
-            <ac:spMk id="6" creationId="{53E944DB-50C8-BEAE-726D-4228A9DBB549}"/>
-          </ac:spMkLst>
-        </pc:spChg>
-        <pc:spChg chg="del mod">
-          <ac:chgData name="Maarja Külm" userId="5f05ba4969298fc5" providerId="LiveId" clId="{57AC7585-1642-42F6-9258-D1088ACD66E7}" dt="2024-11-28T10:58:17.013" v="1748" actId="478"/>
-          <ac:spMkLst>
-            <pc:docMk/>
-            <pc:sldMk cId="3388878916" sldId="261"/>
-            <ac:spMk id="8" creationId="{9D0018D9-0571-EC17-81DF-8C509171878C}"/>
-          </ac:spMkLst>
-        </pc:spChg>
-        <pc:graphicFrameChg chg="del">
-          <ac:chgData name="Maarja Külm" userId="5f05ba4969298fc5" providerId="LiveId" clId="{57AC7585-1642-42F6-9258-D1088ACD66E7}" dt="2024-11-28T10:31:09.923" v="1450" actId="478"/>
-          <ac:graphicFrameMkLst>
-            <pc:docMk/>
-            <pc:sldMk cId="3388878916" sldId="261"/>
-            <ac:graphicFrameMk id="4" creationId="{ABA8FFC3-F4A0-A7C5-DA74-76CACBA0DF68}"/>
-          </ac:graphicFrameMkLst>
-        </pc:graphicFrameChg>
-        <pc:graphicFrameChg chg="add mod">
-          <ac:chgData name="Maarja Külm" userId="5f05ba4969298fc5" providerId="LiveId" clId="{57AC7585-1642-42F6-9258-D1088ACD66E7}" dt="2024-11-28T13:31:15.255" v="3319" actId="2711"/>
-          <ac:graphicFrameMkLst>
-            <pc:docMk/>
-            <pc:sldMk cId="3388878916" sldId="261"/>
-            <ac:graphicFrameMk id="5" creationId="{AF6E0451-5E1E-4B63-8AFE-697FBAF48F52}"/>
-          </ac:graphicFrameMkLst>
-        </pc:graphicFrameChg>
-        <pc:picChg chg="add mod">
-          <ac:chgData name="Maarja Külm" userId="5f05ba4969298fc5" providerId="LiveId" clId="{57AC7585-1642-42F6-9258-D1088ACD66E7}" dt="2024-11-28T10:58:18.466" v="1749"/>
-          <ac:picMkLst>
-            <pc:docMk/>
-            <pc:sldMk cId="3388878916" sldId="261"/>
-            <ac:picMk id="7" creationId="{78B1D66B-5A3D-0934-2918-032E3F0826EF}"/>
-          </ac:picMkLst>
-        </pc:picChg>
       </pc:sldChg>
       <pc:sldChg chg="addSp delSp modSp new mod modClrScheme chgLayout">
         <pc:chgData name="Maarja Külm" userId="5f05ba4969298fc5" providerId="LiveId" clId="{57AC7585-1642-42F6-9258-D1088ACD66E7}" dt="2024-11-28T13:22:44.490" v="3288" actId="1076"/>
@@ -418,78 +186,6 @@
           <pc:docMk/>
           <pc:sldMk cId="1059705233" sldId="262"/>
         </pc:sldMkLst>
-        <pc:spChg chg="del mod ord">
-          <ac:chgData name="Maarja Külm" userId="5f05ba4969298fc5" providerId="LiveId" clId="{57AC7585-1642-42F6-9258-D1088ACD66E7}" dt="2024-11-28T10:54:15.681" v="1673" actId="700"/>
-          <ac:spMkLst>
-            <pc:docMk/>
-            <pc:sldMk cId="1059705233" sldId="262"/>
-            <ac:spMk id="2" creationId="{59A76E63-CDB1-000B-72D3-11A907E207A8}"/>
-          </ac:spMkLst>
-        </pc:spChg>
-        <pc:spChg chg="del mod ord">
-          <ac:chgData name="Maarja Külm" userId="5f05ba4969298fc5" providerId="LiveId" clId="{57AC7585-1642-42F6-9258-D1088ACD66E7}" dt="2024-11-28T10:54:15.681" v="1673" actId="700"/>
-          <ac:spMkLst>
-            <pc:docMk/>
-            <pc:sldMk cId="1059705233" sldId="262"/>
-            <ac:spMk id="3" creationId="{346B0B6F-B21B-F562-701F-C92B492C9A20}"/>
-          </ac:spMkLst>
-        </pc:spChg>
-        <pc:spChg chg="del mod ord">
-          <ac:chgData name="Maarja Külm" userId="5f05ba4969298fc5" providerId="LiveId" clId="{57AC7585-1642-42F6-9258-D1088ACD66E7}" dt="2024-11-28T10:54:15.681" v="1673" actId="700"/>
-          <ac:spMkLst>
-            <pc:docMk/>
-            <pc:sldMk cId="1059705233" sldId="262"/>
-            <ac:spMk id="4" creationId="{9CFCCB1F-A6B0-E105-DB26-BF78948D8D0C}"/>
-          </ac:spMkLst>
-        </pc:spChg>
-        <pc:spChg chg="add mod ord">
-          <ac:chgData name="Maarja Külm" userId="5f05ba4969298fc5" providerId="LiveId" clId="{57AC7585-1642-42F6-9258-D1088ACD66E7}" dt="2024-11-28T10:59:44.597" v="1769" actId="255"/>
-          <ac:spMkLst>
-            <pc:docMk/>
-            <pc:sldMk cId="1059705233" sldId="262"/>
-            <ac:spMk id="5" creationId="{7A1CB86E-76A6-62C8-DEB3-A8B04ECF5BA5}"/>
-          </ac:spMkLst>
-        </pc:spChg>
-        <pc:spChg chg="add del mod ord">
-          <ac:chgData name="Maarja Külm" userId="5f05ba4969298fc5" providerId="LiveId" clId="{57AC7585-1642-42F6-9258-D1088ACD66E7}" dt="2024-11-28T11:05:32.658" v="2138" actId="478"/>
-          <ac:spMkLst>
-            <pc:docMk/>
-            <pc:sldMk cId="1059705233" sldId="262"/>
-            <ac:spMk id="6" creationId="{F27A0FE9-9A92-B28F-5BAC-00408E4E4553}"/>
-          </ac:spMkLst>
-        </pc:spChg>
-        <pc:spChg chg="add del mod ord">
-          <ac:chgData name="Maarja Külm" userId="5f05ba4969298fc5" providerId="LiveId" clId="{57AC7585-1642-42F6-9258-D1088ACD66E7}" dt="2024-11-28T11:01:36.389" v="1834" actId="478"/>
-          <ac:spMkLst>
-            <pc:docMk/>
-            <pc:sldMk cId="1059705233" sldId="262"/>
-            <ac:spMk id="7" creationId="{66B66587-A223-B4D7-F619-64F028C7B279}"/>
-          </ac:spMkLst>
-        </pc:spChg>
-        <pc:spChg chg="add del mod">
-          <ac:chgData name="Maarja Külm" userId="5f05ba4969298fc5" providerId="LiveId" clId="{57AC7585-1642-42F6-9258-D1088ACD66E7}" dt="2024-11-28T11:01:39.530" v="1835" actId="478"/>
-          <ac:spMkLst>
-            <pc:docMk/>
-            <pc:sldMk cId="1059705233" sldId="262"/>
-            <ac:spMk id="10" creationId="{10C9D843-1E61-DDA5-02DE-247171D1BF6B}"/>
-          </ac:spMkLst>
-        </pc:spChg>
-        <pc:spChg chg="add del mod">
-          <ac:chgData name="Maarja Külm" userId="5f05ba4969298fc5" providerId="LiveId" clId="{57AC7585-1642-42F6-9258-D1088ACD66E7}" dt="2024-11-28T11:05:34.617" v="2139" actId="478"/>
-          <ac:spMkLst>
-            <pc:docMk/>
-            <pc:sldMk cId="1059705233" sldId="262"/>
-            <ac:spMk id="12" creationId="{17ECB646-25AF-ED9C-1089-34F3B1796B68}"/>
-          </ac:spMkLst>
-        </pc:spChg>
-        <pc:graphicFrameChg chg="add mod modGraphic">
-          <ac:chgData name="Maarja Külm" userId="5f05ba4969298fc5" providerId="LiveId" clId="{57AC7585-1642-42F6-9258-D1088ACD66E7}" dt="2024-11-28T13:22:44.490" v="3288" actId="1076"/>
-          <ac:graphicFrameMkLst>
-            <pc:docMk/>
-            <pc:sldMk cId="1059705233" sldId="262"/>
-            <ac:graphicFrameMk id="8" creationId="{75C3F992-34F2-04CD-B15F-FCC48B48BD64}"/>
-          </ac:graphicFrameMkLst>
-        </pc:graphicFrameChg>
       </pc:sldChg>
       <pc:sldChg chg="addSp delSp modSp new mod modClrScheme chgLayout">
         <pc:chgData name="Maarja Külm" userId="5f05ba4969298fc5" providerId="LiveId" clId="{57AC7585-1642-42F6-9258-D1088ACD66E7}" dt="2024-11-28T13:30:04.757" v="3310" actId="255"/>
@@ -497,46 +193,6 @@
           <pc:docMk/>
           <pc:sldMk cId="458432806" sldId="263"/>
         </pc:sldMkLst>
-        <pc:spChg chg="del mod ord">
-          <ac:chgData name="Maarja Külm" userId="5f05ba4969298fc5" providerId="LiveId" clId="{57AC7585-1642-42F6-9258-D1088ACD66E7}" dt="2024-11-28T11:10:46.361" v="2241" actId="700"/>
-          <ac:spMkLst>
-            <pc:docMk/>
-            <pc:sldMk cId="458432806" sldId="263"/>
-            <ac:spMk id="2" creationId="{71D402F9-AE7D-1911-C207-F2FF887F570C}"/>
-          </ac:spMkLst>
-        </pc:spChg>
-        <pc:spChg chg="del mod ord">
-          <ac:chgData name="Maarja Külm" userId="5f05ba4969298fc5" providerId="LiveId" clId="{57AC7585-1642-42F6-9258-D1088ACD66E7}" dt="2024-11-28T11:10:46.361" v="2241" actId="700"/>
-          <ac:spMkLst>
-            <pc:docMk/>
-            <pc:sldMk cId="458432806" sldId="263"/>
-            <ac:spMk id="3" creationId="{70C61DC5-359B-7C70-541C-1F6B22D11D09}"/>
-          </ac:spMkLst>
-        </pc:spChg>
-        <pc:spChg chg="del">
-          <ac:chgData name="Maarja Külm" userId="5f05ba4969298fc5" providerId="LiveId" clId="{57AC7585-1642-42F6-9258-D1088ACD66E7}" dt="2024-11-28T11:10:46.361" v="2241" actId="700"/>
-          <ac:spMkLst>
-            <pc:docMk/>
-            <pc:sldMk cId="458432806" sldId="263"/>
-            <ac:spMk id="4" creationId="{636E84F1-FADD-7BD5-8F1F-2C83F6B72746}"/>
-          </ac:spMkLst>
-        </pc:spChg>
-        <pc:spChg chg="add mod ord">
-          <ac:chgData name="Maarja Külm" userId="5f05ba4969298fc5" providerId="LiveId" clId="{57AC7585-1642-42F6-9258-D1088ACD66E7}" dt="2024-11-28T13:30:04.757" v="3310" actId="255"/>
-          <ac:spMkLst>
-            <pc:docMk/>
-            <pc:sldMk cId="458432806" sldId="263"/>
-            <ac:spMk id="5" creationId="{2BC1C5E5-280E-C7A7-61B6-552E245EEB2F}"/>
-          </ac:spMkLst>
-        </pc:spChg>
-        <pc:spChg chg="add mod ord">
-          <ac:chgData name="Maarja Külm" userId="5f05ba4969298fc5" providerId="LiveId" clId="{57AC7585-1642-42F6-9258-D1088ACD66E7}" dt="2024-11-28T12:59:52.508" v="3120" actId="122"/>
-          <ac:spMkLst>
-            <pc:docMk/>
-            <pc:sldMk cId="458432806" sldId="263"/>
-            <ac:spMk id="6" creationId="{DE051A2F-DFD7-1541-14C0-CE781689D643}"/>
-          </ac:spMkLst>
-        </pc:spChg>
       </pc:sldChg>
       <pc:sldChg chg="addSp delSp modSp new mod modClrScheme chgLayout">
         <pc:chgData name="Maarja Külm" userId="5f05ba4969298fc5" providerId="LiveId" clId="{57AC7585-1642-42F6-9258-D1088ACD66E7}" dt="2024-11-28T13:25:29.646" v="3294" actId="207"/>
@@ -544,78 +200,6 @@
           <pc:docMk/>
           <pc:sldMk cId="1296126640" sldId="264"/>
         </pc:sldMkLst>
-        <pc:spChg chg="del mod ord">
-          <ac:chgData name="Maarja Külm" userId="5f05ba4969298fc5" providerId="LiveId" clId="{57AC7585-1642-42F6-9258-D1088ACD66E7}" dt="2024-11-28T11:14:22.735" v="2351" actId="700"/>
-          <ac:spMkLst>
-            <pc:docMk/>
-            <pc:sldMk cId="1296126640" sldId="264"/>
-            <ac:spMk id="2" creationId="{322F5308-E162-4C1E-F51C-FD07449CABC7}"/>
-          </ac:spMkLst>
-        </pc:spChg>
-        <pc:spChg chg="del mod ord">
-          <ac:chgData name="Maarja Külm" userId="5f05ba4969298fc5" providerId="LiveId" clId="{57AC7585-1642-42F6-9258-D1088ACD66E7}" dt="2024-11-28T11:14:22.735" v="2351" actId="700"/>
-          <ac:spMkLst>
-            <pc:docMk/>
-            <pc:sldMk cId="1296126640" sldId="264"/>
-            <ac:spMk id="3" creationId="{4357931A-75B8-879B-DB0C-118C7E177130}"/>
-          </ac:spMkLst>
-        </pc:spChg>
-        <pc:spChg chg="del">
-          <ac:chgData name="Maarja Külm" userId="5f05ba4969298fc5" providerId="LiveId" clId="{57AC7585-1642-42F6-9258-D1088ACD66E7}" dt="2024-11-28T11:14:22.735" v="2351" actId="700"/>
-          <ac:spMkLst>
-            <pc:docMk/>
-            <pc:sldMk cId="1296126640" sldId="264"/>
-            <ac:spMk id="4" creationId="{19E20A17-C655-A5D8-111A-E98EA995DBCA}"/>
-          </ac:spMkLst>
-        </pc:spChg>
-        <pc:spChg chg="add mod ord">
-          <ac:chgData name="Maarja Külm" userId="5f05ba4969298fc5" providerId="LiveId" clId="{57AC7585-1642-42F6-9258-D1088ACD66E7}" dt="2024-11-28T11:15:38.688" v="2375" actId="108"/>
-          <ac:spMkLst>
-            <pc:docMk/>
-            <pc:sldMk cId="1296126640" sldId="264"/>
-            <ac:spMk id="5" creationId="{6100841A-8FB2-A290-C81E-FCA6876F2469}"/>
-          </ac:spMkLst>
-        </pc:spChg>
-        <pc:spChg chg="add del mod ord">
-          <ac:chgData name="Maarja Külm" userId="5f05ba4969298fc5" providerId="LiveId" clId="{57AC7585-1642-42F6-9258-D1088ACD66E7}" dt="2024-11-28T11:24:36.342" v="2376" actId="931"/>
-          <ac:spMkLst>
-            <pc:docMk/>
-            <pc:sldMk cId="1296126640" sldId="264"/>
-            <ac:spMk id="6" creationId="{A2A6AEE7-6247-3320-B80D-0E2DE48472A1}"/>
-          </ac:spMkLst>
-        </pc:spChg>
-        <pc:spChg chg="add mod">
-          <ac:chgData name="Maarja Külm" userId="5f05ba4969298fc5" providerId="LiveId" clId="{57AC7585-1642-42F6-9258-D1088ACD66E7}" dt="2024-11-28T13:25:29.646" v="3294" actId="207"/>
-          <ac:spMkLst>
-            <pc:docMk/>
-            <pc:sldMk cId="1296126640" sldId="264"/>
-            <ac:spMk id="11" creationId="{557A6D1B-D6B8-02CE-FD9C-F52AB5AC42C5}"/>
-          </ac:spMkLst>
-        </pc:spChg>
-        <pc:picChg chg="add mod">
-          <ac:chgData name="Maarja Külm" userId="5f05ba4969298fc5" providerId="LiveId" clId="{57AC7585-1642-42F6-9258-D1088ACD66E7}" dt="2024-11-28T11:24:48.463" v="2381" actId="14100"/>
-          <ac:picMkLst>
-            <pc:docMk/>
-            <pc:sldMk cId="1296126640" sldId="264"/>
-            <ac:picMk id="8" creationId="{F17283B5-9AA4-ACBA-6DDA-0ADA4D252BB9}"/>
-          </ac:picMkLst>
-        </pc:picChg>
-        <pc:picChg chg="add mod">
-          <ac:chgData name="Maarja Külm" userId="5f05ba4969298fc5" providerId="LiveId" clId="{57AC7585-1642-42F6-9258-D1088ACD66E7}" dt="2024-11-28T11:24:58.444" v="2383" actId="1076"/>
-          <ac:picMkLst>
-            <pc:docMk/>
-            <pc:sldMk cId="1296126640" sldId="264"/>
-            <ac:picMk id="9" creationId="{6F3DBCFD-EE5E-B400-8D91-10FA3D4CD656}"/>
-          </ac:picMkLst>
-        </pc:picChg>
-        <pc:picChg chg="add mod">
-          <ac:chgData name="Maarja Külm" userId="5f05ba4969298fc5" providerId="LiveId" clId="{57AC7585-1642-42F6-9258-D1088ACD66E7}" dt="2024-11-28T11:25:03.708" v="2385" actId="1076"/>
-          <ac:picMkLst>
-            <pc:docMk/>
-            <pc:sldMk cId="1296126640" sldId="264"/>
-            <ac:picMk id="10" creationId="{54A4E2BB-37E0-2C3A-369C-56B4DD898909}"/>
-          </ac:picMkLst>
-        </pc:picChg>
       </pc:sldChg>
       <pc:sldChg chg="addSp delSp modSp add mod">
         <pc:chgData name="Maarja Külm" userId="5f05ba4969298fc5" providerId="LiveId" clId="{57AC7585-1642-42F6-9258-D1088ACD66E7}" dt="2024-11-28T13:30:44.488" v="3316" actId="2711"/>
@@ -623,38 +207,6 @@
           <pc:docMk/>
           <pc:sldMk cId="1184073401" sldId="265"/>
         </pc:sldMkLst>
-        <pc:spChg chg="add del mod">
-          <ac:chgData name="Maarja Külm" userId="5f05ba4969298fc5" providerId="LiveId" clId="{57AC7585-1642-42F6-9258-D1088ACD66E7}" dt="2024-11-28T11:36:00.797" v="2604"/>
-          <ac:spMkLst>
-            <pc:docMk/>
-            <pc:sldMk cId="1184073401" sldId="265"/>
-            <ac:spMk id="3" creationId="{6B376DFD-BF0C-AA0F-8B2F-2C737EBE37D4}"/>
-          </ac:spMkLst>
-        </pc:spChg>
-        <pc:spChg chg="mod">
-          <ac:chgData name="Maarja Külm" userId="5f05ba4969298fc5" providerId="LiveId" clId="{57AC7585-1642-42F6-9258-D1088ACD66E7}" dt="2024-11-28T13:30:36.912" v="3313" actId="2711"/>
-          <ac:spMkLst>
-            <pc:docMk/>
-            <pc:sldMk cId="1184073401" sldId="265"/>
-            <ac:spMk id="6" creationId="{0C3D2EA5-045A-D89E-F5B7-DD74FCD7A9F9}"/>
-          </ac:spMkLst>
-        </pc:spChg>
-        <pc:graphicFrameChg chg="add mod">
-          <ac:chgData name="Maarja Külm" userId="5f05ba4969298fc5" providerId="LiveId" clId="{57AC7585-1642-42F6-9258-D1088ACD66E7}" dt="2024-11-28T13:30:44.488" v="3316" actId="2711"/>
-          <ac:graphicFrameMkLst>
-            <pc:docMk/>
-            <pc:sldMk cId="1184073401" sldId="265"/>
-            <ac:graphicFrameMk id="4" creationId="{61BC501A-2A69-110F-BAB9-17DF315739DE}"/>
-          </ac:graphicFrameMkLst>
-        </pc:graphicFrameChg>
-        <pc:graphicFrameChg chg="del">
-          <ac:chgData name="Maarja Külm" userId="5f05ba4969298fc5" providerId="LiveId" clId="{57AC7585-1642-42F6-9258-D1088ACD66E7}" dt="2024-11-28T11:35:59.119" v="2602" actId="478"/>
-          <ac:graphicFrameMkLst>
-            <pc:docMk/>
-            <pc:sldMk cId="1184073401" sldId="265"/>
-            <ac:graphicFrameMk id="11" creationId="{A5A1DD98-7CB2-D203-AF3E-E93686ADFB87}"/>
-          </ac:graphicFrameMkLst>
-        </pc:graphicFrameChg>
       </pc:sldChg>
       <pc:sldChg chg="delSp add del mod">
         <pc:chgData name="Maarja Külm" userId="5f05ba4969298fc5" providerId="LiveId" clId="{57AC7585-1642-42F6-9258-D1088ACD66E7}" dt="2024-11-28T13:21:54.083" v="3287" actId="2696"/>
@@ -662,14 +214,60 @@
           <pc:docMk/>
           <pc:sldMk cId="4244965648" sldId="266"/>
         </pc:sldMkLst>
-        <pc:picChg chg="del">
-          <ac:chgData name="Maarja Külm" userId="5f05ba4969298fc5" providerId="LiveId" clId="{57AC7585-1642-42F6-9258-D1088ACD66E7}" dt="2024-11-28T13:20:37.693" v="3286" actId="478"/>
-          <ac:picMkLst>
+      </pc:sldChg>
+    </pc:docChg>
+  </pc:docChgLst>
+  <pc:docChgLst>
+    <pc:chgData name="Maarja Apostol" userId="5f05ba4969298fc5" providerId="LiveId" clId="{5CC0441D-F635-41B0-9065-5F30B4FFDDCE}"/>
+    <pc:docChg chg="undo custSel modSld">
+      <pc:chgData name="Maarja Apostol" userId="5f05ba4969298fc5" providerId="LiveId" clId="{5CC0441D-F635-41B0-9065-5F30B4FFDDCE}" dt="2025-03-30T17:04:04.493" v="49"/>
+      <pc:docMkLst>
+        <pc:docMk/>
+      </pc:docMkLst>
+      <pc:sldChg chg="modSp mod">
+        <pc:chgData name="Maarja Apostol" userId="5f05ba4969298fc5" providerId="LiveId" clId="{5CC0441D-F635-41B0-9065-5F30B4FFDDCE}" dt="2025-03-30T17:03:24.046" v="43" actId="14100"/>
+        <pc:sldMkLst>
+          <pc:docMk/>
+          <pc:sldMk cId="170615927" sldId="260"/>
+        </pc:sldMkLst>
+        <pc:graphicFrameChg chg="mod">
+          <ac:chgData name="Maarja Apostol" userId="5f05ba4969298fc5" providerId="LiveId" clId="{5CC0441D-F635-41B0-9065-5F30B4FFDDCE}" dt="2025-03-30T17:03:24.046" v="43" actId="14100"/>
+          <ac:graphicFrameMkLst>
             <pc:docMk/>
-            <pc:sldMk cId="4244965648" sldId="266"/>
-            <ac:picMk id="13" creationId="{5DCAA714-CAF4-8025-9CBF-61723E98D60B}"/>
-          </ac:picMkLst>
-        </pc:picChg>
+            <pc:sldMk cId="170615927" sldId="260"/>
+            <ac:graphicFrameMk id="4" creationId="{ED155C8E-E144-458A-80DC-0B02E50E4FC5}"/>
+          </ac:graphicFrameMkLst>
+        </pc:graphicFrameChg>
+      </pc:sldChg>
+      <pc:sldChg chg="modSp mod">
+        <pc:chgData name="Maarja Apostol" userId="5f05ba4969298fc5" providerId="LiveId" clId="{5CC0441D-F635-41B0-9065-5F30B4FFDDCE}" dt="2025-03-30T17:04:04.493" v="49"/>
+        <pc:sldMkLst>
+          <pc:docMk/>
+          <pc:sldMk cId="3388878916" sldId="261"/>
+        </pc:sldMkLst>
+        <pc:graphicFrameChg chg="mod">
+          <ac:chgData name="Maarja Apostol" userId="5f05ba4969298fc5" providerId="LiveId" clId="{5CC0441D-F635-41B0-9065-5F30B4FFDDCE}" dt="2025-03-30T17:04:04.493" v="49"/>
+          <ac:graphicFrameMkLst>
+            <pc:docMk/>
+            <pc:sldMk cId="3388878916" sldId="261"/>
+            <ac:graphicFrameMk id="5" creationId="{AF6E0451-5E1E-4B63-8AFE-697FBAF48F52}"/>
+          </ac:graphicFrameMkLst>
+        </pc:graphicFrameChg>
+      </pc:sldChg>
+      <pc:sldChg chg="modSp mod">
+        <pc:chgData name="Maarja Apostol" userId="5f05ba4969298fc5" providerId="LiveId" clId="{5CC0441D-F635-41B0-9065-5F30B4FFDDCE}" dt="2025-03-30T17:03:34.883" v="45" actId="14100"/>
+        <pc:sldMkLst>
+          <pc:docMk/>
+          <pc:sldMk cId="1184073401" sldId="265"/>
+        </pc:sldMkLst>
+        <pc:graphicFrameChg chg="mod">
+          <ac:chgData name="Maarja Apostol" userId="5f05ba4969298fc5" providerId="LiveId" clId="{5CC0441D-F635-41B0-9065-5F30B4FFDDCE}" dt="2025-03-30T17:03:34.883" v="45" actId="14100"/>
+          <ac:graphicFrameMkLst>
+            <pc:docMk/>
+            <pc:sldMk cId="1184073401" sldId="265"/>
+            <ac:graphicFrameMk id="4" creationId="{61BC501A-2A69-110F-BAB9-17DF315739DE}"/>
+          </ac:graphicFrameMkLst>
+        </pc:graphicFrameChg>
       </pc:sldChg>
     </pc:docChg>
   </pc:docChgLst>
@@ -1149,7 +747,7 @@
                 <a:ea typeface="+mn-ea"/>
                 <a:cs typeface="+mn-cs"/>
               </a:rPr>
-              <a:t>Usage by user type and month</a:t>
+              <a:t>Usage count by user type and month</a:t>
             </a:r>
           </a:p>
         </c:rich>
@@ -1183,9 +781,8 @@
     <c:autoTitleDeleted val="0"/>
     <c:plotArea>
       <c:layout/>
-      <c:barChart>
-        <c:barDir val="col"/>
-        <c:grouping val="clustered"/>
+      <c:lineChart>
+        <c:grouping val="standard"/>
         <c:varyColors val="0"/>
         <c:ser>
           <c:idx val="0"/>
@@ -1194,11 +791,11 @@
             <c:v>Casual</c:v>
           </c:tx>
           <c:spPr>
-            <a:solidFill>
-              <a:sysClr val="windowText" lastClr="000000"/>
-            </a:solidFill>
-            <a:ln>
-              <a:noFill/>
+            <a:ln w="28575" cap="rnd">
+              <a:solidFill>
+                <a:srgbClr val="000000"/>
+              </a:solidFill>
+              <a:round/>
             </a:ln>
             <a:effectLst>
               <a:outerShdw blurRad="50800" dist="25400" dir="5400000" algn="ctr" rotWithShape="0">
@@ -1208,7 +805,21 @@
               </a:outerShdw>
             </a:effectLst>
           </c:spPr>
-          <c:invertIfNegative val="0"/>
+          <c:marker>
+            <c:symbol val="circle"/>
+            <c:size val="5"/>
+            <c:spPr>
+              <a:solidFill>
+                <a:schemeClr val="accent1"/>
+              </a:solidFill>
+              <a:ln w="9525">
+                <a:solidFill>
+                  <a:schemeClr val="accent1"/>
+                </a:solidFill>
+              </a:ln>
+              <a:effectLst/>
+            </c:spPr>
+          </c:marker>
           <c:cat>
             <c:strRef>
               <c:f>'user_type and month'!$C$2:$C$13</c:f>
@@ -1298,6 +909,7 @@
               </c:numCache>
             </c:numRef>
           </c:val>
+          <c:smooth val="0"/>
           <c:extLst>
             <c:ext xmlns:c16="http://schemas.microsoft.com/office/drawing/2014/chart" uri="{C3380CC4-5D6E-409C-BE32-E72D297353CC}">
               <c16:uniqueId val="{00000000-002B-4029-9C3C-3C465574471F}"/>
@@ -1311,17 +923,29 @@
             <c:v>Member</c:v>
           </c:tx>
           <c:spPr>
-            <a:solidFill>
-              <a:srgbClr val="E97132">
-                <a:lumMod val="75000"/>
-              </a:srgbClr>
-            </a:solidFill>
-            <a:ln>
-              <a:noFill/>
+            <a:ln w="28575" cap="rnd">
+              <a:solidFill>
+                <a:schemeClr val="accent2"/>
+              </a:solidFill>
+              <a:round/>
             </a:ln>
             <a:effectLst/>
           </c:spPr>
-          <c:invertIfNegative val="0"/>
+          <c:marker>
+            <c:symbol val="circle"/>
+            <c:size val="5"/>
+            <c:spPr>
+              <a:solidFill>
+                <a:schemeClr val="accent2"/>
+              </a:solidFill>
+              <a:ln w="9525">
+                <a:solidFill>
+                  <a:schemeClr val="accent2"/>
+                </a:solidFill>
+              </a:ln>
+              <a:effectLst/>
+            </c:spPr>
+          </c:marker>
           <c:val>
             <c:numRef>
               <c:f>'user_type and month'!$D$14:$D$25</c:f>
@@ -1367,6 +991,7 @@
               </c:numCache>
             </c:numRef>
           </c:val>
+          <c:smooth val="0"/>
           <c:extLst>
             <c:ext xmlns:c16="http://schemas.microsoft.com/office/drawing/2014/chart" uri="{C3380CC4-5D6E-409C-BE32-E72D297353CC}">
               <c16:uniqueId val="{00000001-002B-4029-9C3C-3C465574471F}"/>
@@ -1381,11 +1006,11 @@
           <c:showPercent val="0"/>
           <c:showBubbleSize val="0"/>
         </c:dLbls>
-        <c:gapWidth val="75"/>
-        <c:overlap val="-10"/>
+        <c:marker val="1"/>
+        <c:smooth val="0"/>
         <c:axId val="264956063"/>
         <c:axId val="264954143"/>
-      </c:barChart>
+      </c:lineChart>
       <c:catAx>
         <c:axId val="264956063"/>
         <c:scaling>
@@ -1602,11 +1227,19 @@
                 </a:solidFill>
                 <a:latin typeface="Bahnschrift" panose="020B0502040204020203" pitchFamily="34" charset="0"/>
               </a:rPr>
-              <a:t>Usage by user type and day of the week</a:t>
+              <a:t>Usage count by user type and day of the week</a:t>
             </a:r>
           </a:p>
         </c:rich>
       </c:tx>
+      <c:layout>
+        <c:manualLayout>
+          <c:xMode val="edge"/>
+          <c:yMode val="edge"/>
+          <c:x val="0.14629821150106848"/>
+          <c:y val="9.6618357487922701E-3"/>
+        </c:manualLayout>
+      </c:layout>
       <c:overlay val="0"/>
       <c:spPr>
         <a:noFill/>
@@ -1639,9 +1272,8 @@
     <c:autoTitleDeleted val="0"/>
     <c:plotArea>
       <c:layout/>
-      <c:barChart>
-        <c:barDir val="col"/>
-        <c:grouping val="clustered"/>
+      <c:lineChart>
+        <c:grouping val="standard"/>
         <c:varyColors val="0"/>
         <c:ser>
           <c:idx val="0"/>
@@ -1650,13 +1282,11 @@
             <c:v>Casual</c:v>
           </c:tx>
           <c:spPr>
-            <a:solidFill>
-              <a:schemeClr val="accent1">
-                <a:lumMod val="75000"/>
-              </a:schemeClr>
-            </a:solidFill>
-            <a:ln>
-              <a:noFill/>
+            <a:ln w="28575" cap="rnd">
+              <a:solidFill>
+                <a:schemeClr val="accent1"/>
+              </a:solidFill>
+              <a:round/>
             </a:ln>
             <a:effectLst>
               <a:outerShdw blurRad="50800" dist="25400" dir="5400000" algn="ctr" rotWithShape="0">
@@ -1666,7 +1296,21 @@
               </a:outerShdw>
             </a:effectLst>
           </c:spPr>
-          <c:invertIfNegative val="0"/>
+          <c:marker>
+            <c:symbol val="circle"/>
+            <c:size val="5"/>
+            <c:spPr>
+              <a:solidFill>
+                <a:schemeClr val="accent1"/>
+              </a:solidFill>
+              <a:ln w="9525">
+                <a:solidFill>
+                  <a:schemeClr val="accent1"/>
+                </a:solidFill>
+              </a:ln>
+              <a:effectLst/>
+            </c:spPr>
+          </c:marker>
           <c:cat>
             <c:strRef>
               <c:f>'user_type and day_of_week'!$B$17:$B$23</c:f>
@@ -1726,6 +1370,7 @@
               </c:numCache>
             </c:numRef>
           </c:val>
+          <c:smooth val="0"/>
           <c:extLst>
             <c:ext xmlns:c16="http://schemas.microsoft.com/office/drawing/2014/chart" uri="{C3380CC4-5D6E-409C-BE32-E72D297353CC}">
               <c16:uniqueId val="{00000000-9A65-425E-AF98-27A8A41664D3}"/>
@@ -1739,15 +1384,29 @@
             <c:v>Member</c:v>
           </c:tx>
           <c:spPr>
-            <a:solidFill>
-              <a:schemeClr val="accent2"/>
-            </a:solidFill>
-            <a:ln>
-              <a:noFill/>
+            <a:ln w="28575" cap="rnd">
+              <a:solidFill>
+                <a:schemeClr val="accent2"/>
+              </a:solidFill>
+              <a:round/>
             </a:ln>
             <a:effectLst/>
           </c:spPr>
-          <c:invertIfNegative val="0"/>
+          <c:marker>
+            <c:symbol val="circle"/>
+            <c:size val="5"/>
+            <c:spPr>
+              <a:solidFill>
+                <a:schemeClr val="accent2"/>
+              </a:solidFill>
+              <a:ln w="9525">
+                <a:solidFill>
+                  <a:schemeClr val="accent2"/>
+                </a:solidFill>
+              </a:ln>
+              <a:effectLst/>
+            </c:spPr>
+          </c:marker>
           <c:val>
             <c:numRef>
               <c:f>'user_type and day_of_week'!$D$25:$D$31</c:f>
@@ -1778,6 +1437,7 @@
               </c:numCache>
             </c:numRef>
           </c:val>
+          <c:smooth val="0"/>
           <c:extLst>
             <c:ext xmlns:c16="http://schemas.microsoft.com/office/drawing/2014/chart" uri="{C3380CC4-5D6E-409C-BE32-E72D297353CC}">
               <c16:uniqueId val="{00000001-9A65-425E-AF98-27A8A41664D3}"/>
@@ -1792,11 +1452,11 @@
           <c:showPercent val="0"/>
           <c:showBubbleSize val="0"/>
         </c:dLbls>
-        <c:gapWidth val="75"/>
-        <c:overlap val="-10"/>
+        <c:marker val="1"/>
+        <c:smooth val="0"/>
         <c:axId val="264956063"/>
         <c:axId val="264954143"/>
-      </c:barChart>
+      </c:lineChart>
       <c:catAx>
         <c:axId val="264956063"/>
         <c:scaling>
@@ -1920,7 +1580,7 @@
           <c:yMode val="edge"/>
           <c:x val="0.36361981402691412"/>
           <c:y val="9.7620868043668443E-2"/>
-          <c:w val="0.27276021793119382"/>
+          <c:w val="0.313220876730262"/>
           <c:h val="5.5360036517174485E-2"/>
         </c:manualLayout>
       </c:layout>
@@ -2027,11 +1687,19 @@
                 <a:ea typeface="+mn-ea"/>
                 <a:cs typeface="+mn-cs"/>
               </a:rPr>
-              <a:t>Usage by user type and time of day</a:t>
+              <a:t>Usage count by user type and time of day</a:t>
             </a:r>
           </a:p>
         </c:rich>
       </c:tx>
+      <c:layout>
+        <c:manualLayout>
+          <c:xMode val="edge"/>
+          <c:yMode val="edge"/>
+          <c:x val="0.17743939361305644"/>
+          <c:y val="0"/>
+        </c:manualLayout>
+      </c:layout>
       <c:overlay val="0"/>
       <c:spPr>
         <a:noFill/>
@@ -2061,9 +1729,8 @@
     <c:autoTitleDeleted val="0"/>
     <c:plotArea>
       <c:layout/>
-      <c:barChart>
-        <c:barDir val="col"/>
-        <c:grouping val="clustered"/>
+      <c:lineChart>
+        <c:grouping val="standard"/>
         <c:varyColors val="0"/>
         <c:ser>
           <c:idx val="0"/>
@@ -2072,11 +1739,11 @@
             <c:v>Casual</c:v>
           </c:tx>
           <c:spPr>
-            <a:solidFill>
-              <a:sysClr val="windowText" lastClr="000000"/>
-            </a:solidFill>
-            <a:ln>
-              <a:noFill/>
+            <a:ln w="28575" cap="rnd">
+              <a:solidFill>
+                <a:schemeClr val="accent1"/>
+              </a:solidFill>
+              <a:round/>
             </a:ln>
             <a:effectLst>
               <a:outerShdw blurRad="50800" dist="25400" dir="5400000" algn="ctr" rotWithShape="0">
@@ -2086,7 +1753,21 @@
               </a:outerShdw>
             </a:effectLst>
           </c:spPr>
-          <c:invertIfNegative val="0"/>
+          <c:marker>
+            <c:symbol val="circle"/>
+            <c:size val="5"/>
+            <c:spPr>
+              <a:solidFill>
+                <a:schemeClr val="accent1"/>
+              </a:solidFill>
+              <a:ln w="9525">
+                <a:solidFill>
+                  <a:schemeClr val="accent1"/>
+                </a:solidFill>
+              </a:ln>
+              <a:effectLst/>
+            </c:spPr>
+          </c:marker>
           <c:cat>
             <c:numRef>
               <c:f>'user_type and time_of_day'!$B$2:$B$25</c:f>
@@ -2249,6 +1930,7 @@
               </c:numCache>
             </c:numRef>
           </c:val>
+          <c:smooth val="0"/>
           <c:extLst>
             <c:ext xmlns:c16="http://schemas.microsoft.com/office/drawing/2014/chart" uri="{C3380CC4-5D6E-409C-BE32-E72D297353CC}">
               <c16:uniqueId val="{00000000-1C6E-48AE-B44D-29788EEC9383}"/>
@@ -2262,17 +1944,29 @@
             <c:v>Member</c:v>
           </c:tx>
           <c:spPr>
-            <a:solidFill>
-              <a:srgbClr val="E97132">
-                <a:lumMod val="75000"/>
-              </a:srgbClr>
-            </a:solidFill>
-            <a:ln>
-              <a:noFill/>
+            <a:ln w="28575" cap="rnd">
+              <a:solidFill>
+                <a:schemeClr val="accent2"/>
+              </a:solidFill>
+              <a:round/>
             </a:ln>
             <a:effectLst/>
           </c:spPr>
-          <c:invertIfNegative val="0"/>
+          <c:marker>
+            <c:symbol val="circle"/>
+            <c:size val="5"/>
+            <c:spPr>
+              <a:solidFill>
+                <a:schemeClr val="accent2"/>
+              </a:solidFill>
+              <a:ln w="9525">
+                <a:solidFill>
+                  <a:schemeClr val="accent2"/>
+                </a:solidFill>
+              </a:ln>
+              <a:effectLst/>
+            </c:spPr>
+          </c:marker>
           <c:val>
             <c:numRef>
               <c:f>'user_type and time_of_day'!$C$27:$C$50</c:f>
@@ -2354,6 +2048,7 @@
               </c:numCache>
             </c:numRef>
           </c:val>
+          <c:smooth val="0"/>
           <c:extLst>
             <c:ext xmlns:c16="http://schemas.microsoft.com/office/drawing/2014/chart" uri="{C3380CC4-5D6E-409C-BE32-E72D297353CC}">
               <c16:uniqueId val="{00000001-1C6E-48AE-B44D-29788EEC9383}"/>
@@ -2368,11 +2063,11 @@
           <c:showPercent val="0"/>
           <c:showBubbleSize val="0"/>
         </c:dLbls>
-        <c:gapWidth val="75"/>
-        <c:overlap val="-10"/>
+        <c:marker val="1"/>
+        <c:smooth val="0"/>
         <c:axId val="264956063"/>
         <c:axId val="264954143"/>
-      </c:barChart>
+      </c:lineChart>
       <c:catAx>
         <c:axId val="264956063"/>
         <c:scaling>
@@ -2497,8 +2192,8 @@
           <c:yMode val="edge"/>
           <c:x val="0.38494472787478573"/>
           <c:y val="7.7222222222222206E-2"/>
-          <c:w val="0.27901014573667288"/>
-          <c:h val="7.6993038913614045E-2"/>
+          <c:w val="0.313220876730262"/>
+          <c:h val="5.5360036517174485E-2"/>
         </c:manualLayout>
       </c:layout>
       <c:overlay val="0"/>
@@ -4958,7 +4653,7 @@
           <a:p>
             <a:fld id="{22AF22D8-D243-41E2-A557-5F149BDD10A7}" type="datetimeFigureOut">
               <a:rPr lang="en-GB" smtClean="0"/>
-              <a:t>28/11/2024</a:t>
+              <a:t>30/03/2025</a:t>
             </a:fld>
             <a:endParaRPr lang="en-GB"/>
           </a:p>
@@ -5166,7 +4861,7 @@
           <a:p>
             <a:fld id="{22AF22D8-D243-41E2-A557-5F149BDD10A7}" type="datetimeFigureOut">
               <a:rPr lang="en-GB" smtClean="0"/>
-              <a:t>28/11/2024</a:t>
+              <a:t>30/03/2025</a:t>
             </a:fld>
             <a:endParaRPr lang="en-GB"/>
           </a:p>
@@ -5422,7 +5117,7 @@
           <a:p>
             <a:fld id="{22AF22D8-D243-41E2-A557-5F149BDD10A7}" type="datetimeFigureOut">
               <a:rPr lang="en-GB" smtClean="0"/>
-              <a:t>28/11/2024</a:t>
+              <a:t>30/03/2025</a:t>
             </a:fld>
             <a:endParaRPr lang="en-GB"/>
           </a:p>
@@ -5596,7 +5291,7 @@
           <a:p>
             <a:fld id="{22AF22D8-D243-41E2-A557-5F149BDD10A7}" type="datetimeFigureOut">
               <a:rPr lang="en-GB" smtClean="0"/>
-              <a:t>28/11/2024</a:t>
+              <a:t>30/03/2025</a:t>
             </a:fld>
             <a:endParaRPr lang="en-GB"/>
           </a:p>
@@ -5939,7 +5634,7 @@
           <a:p>
             <a:fld id="{22AF22D8-D243-41E2-A557-5F149BDD10A7}" type="datetimeFigureOut">
               <a:rPr lang="en-GB" smtClean="0"/>
-              <a:t>28/11/2024</a:t>
+              <a:t>30/03/2025</a:t>
             </a:fld>
             <a:endParaRPr lang="en-GB"/>
           </a:p>
@@ -6214,7 +5909,7 @@
           <a:p>
             <a:fld id="{22AF22D8-D243-41E2-A557-5F149BDD10A7}" type="datetimeFigureOut">
               <a:rPr lang="en-GB" smtClean="0"/>
-              <a:t>28/11/2024</a:t>
+              <a:t>30/03/2025</a:t>
             </a:fld>
             <a:endParaRPr lang="en-GB"/>
           </a:p>
@@ -6593,7 +6288,7 @@
           <a:p>
             <a:fld id="{22AF22D8-D243-41E2-A557-5F149BDD10A7}" type="datetimeFigureOut">
               <a:rPr lang="en-GB" smtClean="0"/>
-              <a:t>28/11/2024</a:t>
+              <a:t>30/03/2025</a:t>
             </a:fld>
             <a:endParaRPr lang="en-GB"/>
           </a:p>
@@ -6711,7 +6406,7 @@
           <a:p>
             <a:fld id="{22AF22D8-D243-41E2-A557-5F149BDD10A7}" type="datetimeFigureOut">
               <a:rPr lang="en-GB" smtClean="0"/>
-              <a:t>28/11/2024</a:t>
+              <a:t>30/03/2025</a:t>
             </a:fld>
             <a:endParaRPr lang="en-GB"/>
           </a:p>
@@ -6882,7 +6577,7 @@
           <a:p>
             <a:fld id="{22AF22D8-D243-41E2-A557-5F149BDD10A7}" type="datetimeFigureOut">
               <a:rPr lang="en-GB" smtClean="0"/>
-              <a:t>28/11/2024</a:t>
+              <a:t>30/03/2025</a:t>
             </a:fld>
             <a:endParaRPr lang="en-GB"/>
           </a:p>
@@ -7236,7 +6931,7 @@
           <a:p>
             <a:fld id="{22AF22D8-D243-41E2-A557-5F149BDD10A7}" type="datetimeFigureOut">
               <a:rPr lang="en-GB" smtClean="0"/>
-              <a:t>28/11/2024</a:t>
+              <a:t>30/03/2025</a:t>
             </a:fld>
             <a:endParaRPr lang="en-GB"/>
           </a:p>
@@ -7618,7 +7313,7 @@
           <a:p>
             <a:fld id="{22AF22D8-D243-41E2-A557-5F149BDD10A7}" type="datetimeFigureOut">
               <a:rPr lang="en-GB" smtClean="0"/>
-              <a:t>28/11/2024</a:t>
+              <a:t>30/03/2025</a:t>
             </a:fld>
             <a:endParaRPr lang="en-GB"/>
           </a:p>
@@ -7905,7 +7600,7 @@
           <a:p>
             <a:fld id="{22AF22D8-D243-41E2-A557-5F149BDD10A7}" type="datetimeFigureOut">
               <a:rPr lang="en-GB" smtClean="0"/>
-              <a:t>28/11/2024</a:t>
+              <a:t>30/03/2025</a:t>
             </a:fld>
             <a:endParaRPr lang="en-GB"/>
           </a:p>
@@ -9305,14 +9000,14 @@
             <p:ph idx="1"/>
             <p:extLst>
               <p:ext uri="{D42A27DB-BD31-4B8C-83A1-F6EECF244321}">
-                <p14:modId xmlns:p14="http://schemas.microsoft.com/office/powerpoint/2010/main" val="436737043"/>
+                <p14:modId xmlns:p14="http://schemas.microsoft.com/office/powerpoint/2010/main" val="339862062"/>
               </p:ext>
             </p:extLst>
           </p:nvPr>
         </p:nvGraphicFramePr>
         <p:xfrm>
-          <a:off x="4800600" y="731838"/>
-          <a:ext cx="6492875" cy="5257800"/>
+          <a:off x="4438436" y="731838"/>
+          <a:ext cx="7335778" cy="5257800"/>
         </p:xfrm>
         <a:graphic>
           <a:graphicData uri="http://schemas.openxmlformats.org/drawingml/2006/chart">
@@ -9432,14 +9127,14 @@
             <p:ph idx="1"/>
             <p:extLst>
               <p:ext uri="{D42A27DB-BD31-4B8C-83A1-F6EECF244321}">
-                <p14:modId xmlns:p14="http://schemas.microsoft.com/office/powerpoint/2010/main" val="4105293198"/>
+                <p14:modId xmlns:p14="http://schemas.microsoft.com/office/powerpoint/2010/main" val="869109419"/>
               </p:ext>
             </p:extLst>
           </p:nvPr>
         </p:nvGraphicFramePr>
         <p:xfrm>
-          <a:off x="4800600" y="731838"/>
-          <a:ext cx="6492875" cy="5257800"/>
+          <a:off x="4479533" y="731838"/>
+          <a:ext cx="7397393" cy="5257800"/>
         </p:xfrm>
         <a:graphic>
           <a:graphicData uri="http://schemas.openxmlformats.org/drawingml/2006/chart">
@@ -9595,14 +9290,14 @@
             <p:ph idx="1"/>
             <p:extLst>
               <p:ext uri="{D42A27DB-BD31-4B8C-83A1-F6EECF244321}">
-                <p14:modId xmlns:p14="http://schemas.microsoft.com/office/powerpoint/2010/main" val="1809752552"/>
+                <p14:modId xmlns:p14="http://schemas.microsoft.com/office/powerpoint/2010/main" val="3178618589"/>
               </p:ext>
             </p:extLst>
           </p:nvPr>
         </p:nvGraphicFramePr>
         <p:xfrm>
-          <a:off x="4800600" y="731838"/>
-          <a:ext cx="6492875" cy="5257800"/>
+          <a:off x="4438436" y="482885"/>
+          <a:ext cx="7335778" cy="5506753"/>
         </p:xfrm>
         <a:graphic>
           <a:graphicData uri="http://schemas.openxmlformats.org/drawingml/2006/chart">
